--- a/images/myason_collector_architecture.pptx
+++ b/images/myason_collector_architecture.pptx
@@ -12467,8 +12467,8 @@
     <dgm:cxn modelId="{8A2A69F4-C115-47AC-93B9-35698425EBC3}" type="presOf" srcId="{5C3ECEA0-1230-420D-AC20-674C8CC7FEB5}" destId="{2270F01F-F254-49F7-BB02-188EBE9E3DC3}" srcOrd="0" destOrd="0" presId="urn:microsoft.com/office/officeart/2005/8/layout/gear1"/>
     <dgm:cxn modelId="{5EEE9DB2-AB9B-4F92-8A4E-C32B520FF062}" type="presOf" srcId="{00B63BD7-5173-4B43-B5B1-FB5AD5E28065}" destId="{2B149C85-0D4D-494E-A6D8-082193D2618C}" srcOrd="0" destOrd="0" presId="urn:microsoft.com/office/officeart/2005/8/layout/gear1"/>
     <dgm:cxn modelId="{D0DB8B23-8644-484C-A6A9-788173597C83}" srcId="{CAA1B753-C94C-4A22-9457-F48FCAD048A4}" destId="{5C3ECEA0-1230-420D-AC20-674C8CC7FEB5}" srcOrd="0" destOrd="0" parTransId="{F0D16498-99AC-4C7E-8FD2-3F3914AC28DE}" sibTransId="{00B63BD7-5173-4B43-B5B1-FB5AD5E28065}"/>
+    <dgm:cxn modelId="{D2584A1E-D06F-4720-93E7-15FC01355110}" type="presOf" srcId="{CAA1B753-C94C-4A22-9457-F48FCAD048A4}" destId="{5D9ADD0C-2B86-4989-B54C-A21164A51F91}" srcOrd="0" destOrd="0" presId="urn:microsoft.com/office/officeart/2005/8/layout/gear1"/>
     <dgm:cxn modelId="{49A6CA49-65A8-4298-BBB6-2DC40C69FFCB}" type="presOf" srcId="{5C3ECEA0-1230-420D-AC20-674C8CC7FEB5}" destId="{BE091C44-AB75-4687-80F5-E50E86A96059}" srcOrd="1" destOrd="0" presId="urn:microsoft.com/office/officeart/2005/8/layout/gear1"/>
-    <dgm:cxn modelId="{D2584A1E-D06F-4720-93E7-15FC01355110}" type="presOf" srcId="{CAA1B753-C94C-4A22-9457-F48FCAD048A4}" destId="{5D9ADD0C-2B86-4989-B54C-A21164A51F91}" srcOrd="0" destOrd="0" presId="urn:microsoft.com/office/officeart/2005/8/layout/gear1"/>
     <dgm:cxn modelId="{F4C918EF-C7D1-4885-86C0-969ED7BA8717}" type="presParOf" srcId="{5D9ADD0C-2B86-4989-B54C-A21164A51F91}" destId="{2270F01F-F254-49F7-BB02-188EBE9E3DC3}" srcOrd="0" destOrd="0" presId="urn:microsoft.com/office/officeart/2005/8/layout/gear1"/>
     <dgm:cxn modelId="{E768F235-5215-4933-B4EA-8E9069DBBD88}" type="presParOf" srcId="{5D9ADD0C-2B86-4989-B54C-A21164A51F91}" destId="{BE091C44-AB75-4687-80F5-E50E86A96059}" srcOrd="1" destOrd="0" presId="urn:microsoft.com/office/officeart/2005/8/layout/gear1"/>
     <dgm:cxn modelId="{86AE486D-612E-42A2-86C7-0E05062DD8A4}" type="presParOf" srcId="{5D9ADD0C-2B86-4989-B54C-A21164A51F91}" destId="{7B050206-19D3-4BC8-8AA1-4788FB452307}" srcOrd="2" destOrd="0" presId="urn:microsoft.com/office/officeart/2005/8/layout/gear1"/>
@@ -12677,8 +12677,8 @@
     <dgm:cxn modelId="{D0DB8B23-8644-484C-A6A9-788173597C83}" srcId="{CAA1B753-C94C-4A22-9457-F48FCAD048A4}" destId="{5C3ECEA0-1230-420D-AC20-674C8CC7FEB5}" srcOrd="0" destOrd="0" parTransId="{F0D16498-99AC-4C7E-8FD2-3F3914AC28DE}" sibTransId="{00B63BD7-5173-4B43-B5B1-FB5AD5E28065}"/>
     <dgm:cxn modelId="{76DB0FB4-5DC6-4493-8A0B-E3D389CA7947}" type="presOf" srcId="{00B63BD7-5173-4B43-B5B1-FB5AD5E28065}" destId="{2B149C85-0D4D-494E-A6D8-082193D2618C}" srcOrd="0" destOrd="0" presId="urn:microsoft.com/office/officeart/2005/8/layout/gear1"/>
     <dgm:cxn modelId="{54E64965-22EA-448A-ACF2-83A887F14B4A}" type="presOf" srcId="{5C3ECEA0-1230-420D-AC20-674C8CC7FEB5}" destId="{2270F01F-F254-49F7-BB02-188EBE9E3DC3}" srcOrd="0" destOrd="0" presId="urn:microsoft.com/office/officeart/2005/8/layout/gear1"/>
+    <dgm:cxn modelId="{19C0609E-31D5-4406-BDF4-83BA47F70137}" type="presOf" srcId="{5C3ECEA0-1230-420D-AC20-674C8CC7FEB5}" destId="{7B050206-19D3-4BC8-8AA1-4788FB452307}" srcOrd="2" destOrd="0" presId="urn:microsoft.com/office/officeart/2005/8/layout/gear1"/>
     <dgm:cxn modelId="{15E9BE75-5A16-4D42-8EB1-AC8EB68B7598}" type="presOf" srcId="{5C3ECEA0-1230-420D-AC20-674C8CC7FEB5}" destId="{BE091C44-AB75-4687-80F5-E50E86A96059}" srcOrd="1" destOrd="0" presId="urn:microsoft.com/office/officeart/2005/8/layout/gear1"/>
-    <dgm:cxn modelId="{19C0609E-31D5-4406-BDF4-83BA47F70137}" type="presOf" srcId="{5C3ECEA0-1230-420D-AC20-674C8CC7FEB5}" destId="{7B050206-19D3-4BC8-8AA1-4788FB452307}" srcOrd="2" destOrd="0" presId="urn:microsoft.com/office/officeart/2005/8/layout/gear1"/>
     <dgm:cxn modelId="{B0B25CE4-DE4A-4D43-92B7-BCD7E5E13790}" type="presParOf" srcId="{5D9ADD0C-2B86-4989-B54C-A21164A51F91}" destId="{2270F01F-F254-49F7-BB02-188EBE9E3DC3}" srcOrd="0" destOrd="0" presId="urn:microsoft.com/office/officeart/2005/8/layout/gear1"/>
     <dgm:cxn modelId="{B4D52AEC-4A10-4EF2-B434-0E991CAEE9E1}" type="presParOf" srcId="{5D9ADD0C-2B86-4989-B54C-A21164A51F91}" destId="{BE091C44-AB75-4687-80F5-E50E86A96059}" srcOrd="1" destOrd="0" presId="urn:microsoft.com/office/officeart/2005/8/layout/gear1"/>
     <dgm:cxn modelId="{9A66A54F-EBFA-48E3-BE65-C7BE743157F4}" type="presParOf" srcId="{5D9ADD0C-2B86-4989-B54C-A21164A51F91}" destId="{7B050206-19D3-4BC8-8AA1-4788FB452307}" srcOrd="2" destOrd="0" presId="urn:microsoft.com/office/officeart/2005/8/layout/gear1"/>
@@ -12731,8 +12731,8 @@
         <a:lstStyle/>
         <a:p>
           <a:r>
-            <a:rPr lang="fr-FR" dirty="0" smtClean="0"/>
-            <a:t>Exporter</a:t>
+            <a:rPr lang="fr-FR" dirty="0" err="1" smtClean="0"/>
+            <a:t>Writer</a:t>
           </a:r>
           <a:endParaRPr lang="fr-FR" dirty="0"/>
         </a:p>
@@ -13805,8 +13805,8 @@
   </dgm:ptLst>
   <dgm:cxnLst>
     <dgm:cxn modelId="{902A61FD-4EAA-4A59-BB90-97318A772DFF}" type="presOf" srcId="{5C3ECEA0-1230-420D-AC20-674C8CC7FEB5}" destId="{2270F01F-F254-49F7-BB02-188EBE9E3DC3}" srcOrd="0" destOrd="0" presId="urn:microsoft.com/office/officeart/2005/8/layout/gear1"/>
+    <dgm:cxn modelId="{5CB886CA-091B-4D02-BC6C-05DDA5CD38B4}" type="presOf" srcId="{5C3ECEA0-1230-420D-AC20-674C8CC7FEB5}" destId="{7B050206-19D3-4BC8-8AA1-4788FB452307}" srcOrd="2" destOrd="0" presId="urn:microsoft.com/office/officeart/2005/8/layout/gear1"/>
     <dgm:cxn modelId="{2E8AA434-78DD-44C6-8C70-B2BB5F3CD0FD}" type="presOf" srcId="{5C3ECEA0-1230-420D-AC20-674C8CC7FEB5}" destId="{BE091C44-AB75-4687-80F5-E50E86A96059}" srcOrd="1" destOrd="0" presId="urn:microsoft.com/office/officeart/2005/8/layout/gear1"/>
-    <dgm:cxn modelId="{5CB886CA-091B-4D02-BC6C-05DDA5CD38B4}" type="presOf" srcId="{5C3ECEA0-1230-420D-AC20-674C8CC7FEB5}" destId="{7B050206-19D3-4BC8-8AA1-4788FB452307}" srcOrd="2" destOrd="0" presId="urn:microsoft.com/office/officeart/2005/8/layout/gear1"/>
     <dgm:cxn modelId="{C20EA668-C186-4BB6-86D8-FA93E9595ABE}" type="presOf" srcId="{00B63BD7-5173-4B43-B5B1-FB5AD5E28065}" destId="{2B149C85-0D4D-494E-A6D8-082193D2618C}" srcOrd="0" destOrd="0" presId="urn:microsoft.com/office/officeart/2005/8/layout/gear1"/>
     <dgm:cxn modelId="{2D20E6EB-993B-408A-99B9-D5BE38AED13F}" type="presOf" srcId="{CAA1B753-C94C-4A22-9457-F48FCAD048A4}" destId="{5D9ADD0C-2B86-4989-B54C-A21164A51F91}" srcOrd="0" destOrd="0" presId="urn:microsoft.com/office/officeart/2005/8/layout/gear1"/>
     <dgm:cxn modelId="{D0DB8B23-8644-484C-A6A9-788173597C83}" srcId="{CAA1B753-C94C-4A22-9457-F48FCAD048A4}" destId="{5C3ECEA0-1230-420D-AC20-674C8CC7FEB5}" srcOrd="0" destOrd="0" parTransId="{F0D16498-99AC-4C7E-8FD2-3F3914AC28DE}" sibTransId="{00B63BD7-5173-4B43-B5B1-FB5AD5E28065}"/>
@@ -15129,12 +15129,12 @@
         </a:fontRef>
       </dsp:style>
       <dsp:txBody>
-        <a:bodyPr spcFirstLastPara="0" vert="horz" wrap="square" lIns="7620" tIns="7620" rIns="7620" bIns="7620" numCol="1" spcCol="1270" anchor="ctr" anchorCtr="0">
+        <a:bodyPr spcFirstLastPara="0" vert="horz" wrap="square" lIns="10160" tIns="10160" rIns="10160" bIns="10160" numCol="1" spcCol="1270" anchor="ctr" anchorCtr="0">
           <a:noAutofit/>
         </a:bodyPr>
         <a:lstStyle/>
         <a:p>
-          <a:pPr lvl="0" algn="ctr" defTabSz="266700">
+          <a:pPr lvl="0" algn="ctr" defTabSz="355600">
             <a:lnSpc>
               <a:spcPct val="90000"/>
             </a:lnSpc>
@@ -15146,10 +15146,10 @@
             </a:spcAft>
           </a:pPr>
           <a:r>
-            <a:rPr lang="fr-FR" sz="600" kern="1200" dirty="0" smtClean="0"/>
-            <a:t>Exporter</a:t>
+            <a:rPr lang="fr-FR" sz="800" kern="1200" dirty="0" err="1" smtClean="0"/>
+            <a:t>Writer</a:t>
           </a:r>
-          <a:endParaRPr lang="fr-FR" sz="600" kern="1200" dirty="0"/>
+          <a:endParaRPr lang="fr-FR" sz="800" kern="1200" dirty="0"/>
         </a:p>
       </dsp:txBody>
       <dsp:txXfrm>
@@ -42896,7 +42896,7 @@
           <p:nvPr>
             <p:extLst>
               <p:ext uri="{D42A27DB-BD31-4B8C-83A1-F6EECF244321}">
-                <p14:modId xmlns:p14="http://schemas.microsoft.com/office/powerpoint/2010/main" val="412171444"/>
+                <p14:modId xmlns:p14="http://schemas.microsoft.com/office/powerpoint/2010/main" val="2120939403"/>
               </p:ext>
             </p:extLst>
           </p:nvPr>
@@ -42948,24 +42948,7 @@
                   </a:outerShdw>
                 </a:effectLst>
               </a:rPr>
-              <a:t>Collector  </a:t>
-            </a:r>
-            <a:r>
-              <a:rPr lang="fr-FR" sz="2800" b="1" dirty="0" smtClean="0">
-                <a:solidFill>
-                  <a:schemeClr val="accent2">
-                    <a:lumMod val="75000"/>
-                  </a:schemeClr>
-                </a:solidFill>
-                <a:effectLst>
-                  <a:outerShdw blurRad="38100" dist="38100" dir="2700000" algn="tl">
-                    <a:srgbClr val="000000">
-                      <a:alpha val="43137"/>
-                    </a:srgbClr>
-                  </a:outerShdw>
-                </a:effectLst>
-              </a:rPr>
-              <a:t>Architecture</a:t>
+              <a:t>Collector  Architecture</a:t>
             </a:r>
           </a:p>
           <a:p>
